--- a/SalaryInversion/Data/Salary Inversion Presentation - 2018-2019 data.pptx
+++ b/SalaryInversion/Data/Salary Inversion Presentation - 2018-2019 data.pptx
@@ -129,6 +129,43 @@
 </p:presentation>
 </file>
 
+<file path=ppt/changesInfos/changesInfo1.xml><?xml version="1.0" encoding="utf-8"?>
+<pc:chgInfo xmlns:a="http://schemas.openxmlformats.org/drawingml/2006/main" xmlns:r="http://schemas.openxmlformats.org/officeDocument/2006/relationships" xmlns:ac="http://schemas.microsoft.com/office/drawing/2013/main/command" xmlns:pc="http://schemas.microsoft.com/office/powerpoint/2013/main/command">
+  <pc:docChgLst>
+    <pc:chgData name="Wesley Hooker" userId="6375f9a58ae10d89" providerId="LiveId" clId="{ADB42F9A-AC9F-482E-BAB5-680B282D5E65}"/>
+    <pc:docChg chg="modSld">
+      <pc:chgData name="Wesley Hooker" userId="6375f9a58ae10d89" providerId="LiveId" clId="{ADB42F9A-AC9F-482E-BAB5-680B282D5E65}" dt="2019-03-18T16:39:24.650" v="2" actId="1035"/>
+      <pc:docMkLst>
+        <pc:docMk/>
+      </pc:docMkLst>
+      <pc:sldChg chg="modSp">
+        <pc:chgData name="Wesley Hooker" userId="6375f9a58ae10d89" providerId="LiveId" clId="{ADB42F9A-AC9F-482E-BAB5-680B282D5E65}" dt="2019-03-18T16:39:24.650" v="2" actId="1035"/>
+        <pc:sldMkLst>
+          <pc:docMk/>
+          <pc:sldMk cId="487299998" sldId="262"/>
+        </pc:sldMkLst>
+        <pc:spChg chg="mod">
+          <ac:chgData name="Wesley Hooker" userId="6375f9a58ae10d89" providerId="LiveId" clId="{ADB42F9A-AC9F-482E-BAB5-680B282D5E65}" dt="2019-03-18T16:25:48.072" v="0" actId="1076"/>
+          <ac:spMkLst>
+            <pc:docMk/>
+            <pc:sldMk cId="487299998" sldId="262"/>
+            <ac:spMk id="4" creationId="{00000000-0000-0000-0000-000000000000}"/>
+          </ac:spMkLst>
+        </pc:spChg>
+        <pc:spChg chg="mod">
+          <ac:chgData name="Wesley Hooker" userId="6375f9a58ae10d89" providerId="LiveId" clId="{ADB42F9A-AC9F-482E-BAB5-680B282D5E65}" dt="2019-03-18T16:39:24.650" v="2" actId="1035"/>
+          <ac:spMkLst>
+            <pc:docMk/>
+            <pc:sldMk cId="487299998" sldId="262"/>
+            <ac:spMk id="5" creationId="{00000000-0000-0000-0000-000000000000}"/>
+          </ac:spMkLst>
+        </pc:spChg>
+      </pc:sldChg>
+    </pc:docChg>
+  </pc:docChgLst>
+</pc:chgInfo>
+</file>
+
 <file path=ppt/slideLayouts/slideLayout1.xml><?xml version="1.0" encoding="utf-8"?>
 <p:sldLayout xmlns:a="http://schemas.openxmlformats.org/drawingml/2006/main" xmlns:r="http://schemas.openxmlformats.org/officeDocument/2006/relationships" xmlns:p="http://schemas.openxmlformats.org/presentationml/2006/main" preserve="1" userDrawn="1">
   <p:cSld name="Title Slide">
@@ -257,10 +294,9 @@
           </a:lstStyle>
           <a:p>
             <a:r>
-              <a:rPr lang="en-US" dirty="0" smtClean="0"/>
+              <a:rPr lang="en-US" dirty="0"/>
               <a:t>Click to edit Master title style</a:t>
             </a:r>
-            <a:endParaRPr lang="en-US" dirty="0"/>
           </a:p>
         </p:txBody>
       </p:sp>
@@ -305,10 +341,9 @@
           <a:lstStyle/>
           <a:p>
             <a:r>
-              <a:rPr lang="en-US" smtClean="0"/>
+              <a:rPr lang="en-US"/>
               <a:t>Click to edit Master title style</a:t>
             </a:r>
-            <a:endParaRPr lang="en-US"/>
           </a:p>
         </p:txBody>
       </p:sp>
@@ -337,38 +372,37 @@
           <a:p>
             <a:pPr lvl="0"/>
             <a:r>
-              <a:rPr lang="en-US" dirty="0" smtClean="0"/>
+              <a:rPr lang="en-US" dirty="0"/>
               <a:t>Click to edit Master text styles</a:t>
             </a:r>
           </a:p>
           <a:p>
             <a:pPr lvl="1"/>
             <a:r>
-              <a:rPr lang="en-US" dirty="0" smtClean="0"/>
+              <a:rPr lang="en-US" dirty="0"/>
               <a:t>Second level</a:t>
             </a:r>
           </a:p>
           <a:p>
             <a:pPr lvl="2"/>
             <a:r>
-              <a:rPr lang="en-US" dirty="0" smtClean="0"/>
+              <a:rPr lang="en-US" dirty="0"/>
               <a:t>Third level</a:t>
             </a:r>
           </a:p>
           <a:p>
             <a:pPr lvl="3"/>
             <a:r>
-              <a:rPr lang="en-US" dirty="0" smtClean="0"/>
+              <a:rPr lang="en-US" dirty="0"/>
               <a:t>Fourth level</a:t>
             </a:r>
           </a:p>
           <a:p>
             <a:pPr lvl="4"/>
             <a:r>
-              <a:rPr lang="en-US" dirty="0" smtClean="0"/>
+              <a:rPr lang="en-US" dirty="0"/>
               <a:t>Fifth level</a:t>
             </a:r>
-            <a:endParaRPr lang="en-US" dirty="0"/>
           </a:p>
         </p:txBody>
       </p:sp>
@@ -397,7 +431,7 @@
           <a:p>
             <a:fld id="{D53E336C-B85D-C24B-A58B-2B0931AA8349}" type="datetimeFigureOut">
               <a:rPr lang="en-US" smtClean="0"/>
-              <a:t>1/14/2019</a:t>
+              <a:t>3/18/2019</a:t>
             </a:fld>
             <a:endParaRPr lang="en-US"/>
           </a:p>
@@ -499,10 +533,9 @@
           <a:lstStyle/>
           <a:p>
             <a:r>
-              <a:rPr lang="en-US" smtClean="0"/>
+              <a:rPr lang="en-US"/>
               <a:t>Click to edit Master title style</a:t>
             </a:r>
-            <a:endParaRPr lang="en-US"/>
           </a:p>
         </p:txBody>
       </p:sp>
@@ -531,38 +564,37 @@
           <a:p>
             <a:pPr lvl="0"/>
             <a:r>
-              <a:rPr lang="en-US" dirty="0" smtClean="0"/>
+              <a:rPr lang="en-US" dirty="0"/>
               <a:t>Click to edit Master text styles</a:t>
             </a:r>
           </a:p>
           <a:p>
             <a:pPr lvl="1"/>
             <a:r>
-              <a:rPr lang="en-US" dirty="0" smtClean="0"/>
+              <a:rPr lang="en-US" dirty="0"/>
               <a:t>Second level</a:t>
             </a:r>
           </a:p>
           <a:p>
             <a:pPr lvl="2"/>
             <a:r>
-              <a:rPr lang="en-US" dirty="0" smtClean="0"/>
+              <a:rPr lang="en-US" dirty="0"/>
               <a:t>Third level</a:t>
             </a:r>
           </a:p>
           <a:p>
             <a:pPr lvl="3"/>
             <a:r>
-              <a:rPr lang="en-US" dirty="0" smtClean="0"/>
+              <a:rPr lang="en-US" dirty="0"/>
               <a:t>Fourth level</a:t>
             </a:r>
           </a:p>
           <a:p>
             <a:pPr lvl="4"/>
             <a:r>
-              <a:rPr lang="en-US" dirty="0" smtClean="0"/>
+              <a:rPr lang="en-US" dirty="0"/>
               <a:t>Fifth level</a:t>
             </a:r>
-            <a:endParaRPr lang="en-US" dirty="0"/>
           </a:p>
         </p:txBody>
       </p:sp>
@@ -591,7 +623,7 @@
           <a:p>
             <a:fld id="{D53E336C-B85D-C24B-A58B-2B0931AA8349}" type="datetimeFigureOut">
               <a:rPr lang="en-US" smtClean="0"/>
-              <a:t>1/14/2019</a:t>
+              <a:t>3/18/2019</a:t>
             </a:fld>
             <a:endParaRPr lang="en-US"/>
           </a:p>
@@ -688,10 +720,9 @@
           <a:lstStyle/>
           <a:p>
             <a:r>
-              <a:rPr lang="en-US" smtClean="0"/>
+              <a:rPr lang="en-US"/>
               <a:t>Click to edit Master title style</a:t>
             </a:r>
-            <a:endParaRPr lang="en-US"/>
           </a:p>
         </p:txBody>
       </p:sp>
@@ -720,38 +751,37 @@
           <a:p>
             <a:pPr lvl="0"/>
             <a:r>
-              <a:rPr lang="en-US" dirty="0" smtClean="0"/>
+              <a:rPr lang="en-US" dirty="0"/>
               <a:t>Click to edit Master text styles</a:t>
             </a:r>
           </a:p>
           <a:p>
             <a:pPr lvl="1"/>
             <a:r>
-              <a:rPr lang="en-US" dirty="0" smtClean="0"/>
+              <a:rPr lang="en-US" dirty="0"/>
               <a:t>Second level</a:t>
             </a:r>
           </a:p>
           <a:p>
             <a:pPr lvl="2"/>
             <a:r>
-              <a:rPr lang="en-US" dirty="0" smtClean="0"/>
+              <a:rPr lang="en-US" dirty="0"/>
               <a:t>Third level</a:t>
             </a:r>
           </a:p>
           <a:p>
             <a:pPr lvl="3"/>
             <a:r>
-              <a:rPr lang="en-US" dirty="0" smtClean="0"/>
+              <a:rPr lang="en-US" dirty="0"/>
               <a:t>Fourth level</a:t>
             </a:r>
           </a:p>
           <a:p>
             <a:pPr lvl="4"/>
             <a:r>
-              <a:rPr lang="en-US" dirty="0" smtClean="0"/>
+              <a:rPr lang="en-US" dirty="0"/>
               <a:t>Fifth level</a:t>
             </a:r>
-            <a:endParaRPr lang="en-US" dirty="0"/>
           </a:p>
         </p:txBody>
       </p:sp>
@@ -833,10 +863,9 @@
           </a:lstStyle>
           <a:p>
             <a:r>
-              <a:rPr lang="en-US" smtClean="0"/>
+              <a:rPr lang="en-US"/>
               <a:t>Click to edit Master title style</a:t>
             </a:r>
-            <a:endParaRPr lang="en-US"/>
           </a:p>
         </p:txBody>
       </p:sp>
@@ -956,7 +985,7 @@
           <a:p>
             <a:pPr lvl="0"/>
             <a:r>
-              <a:rPr lang="en-US" smtClean="0"/>
+              <a:rPr lang="en-US"/>
               <a:t>Click to edit Master text styles</a:t>
             </a:r>
           </a:p>
@@ -987,7 +1016,7 @@
           <a:p>
             <a:fld id="{D53E336C-B85D-C24B-A58B-2B0931AA8349}" type="datetimeFigureOut">
               <a:rPr lang="en-US" smtClean="0"/>
-              <a:t>1/14/2019</a:t>
+              <a:t>3/18/2019</a:t>
             </a:fld>
             <a:endParaRPr lang="en-US"/>
           </a:p>
@@ -1084,10 +1113,9 @@
           <a:lstStyle/>
           <a:p>
             <a:r>
-              <a:rPr lang="en-US" smtClean="0"/>
+              <a:rPr lang="en-US"/>
               <a:t>Click to edit Master title style</a:t>
             </a:r>
-            <a:endParaRPr lang="en-US"/>
           </a:p>
         </p:txBody>
       </p:sp>
@@ -1144,38 +1172,37 @@
           <a:p>
             <a:pPr lvl="0"/>
             <a:r>
-              <a:rPr lang="en-US" dirty="0" smtClean="0"/>
+              <a:rPr lang="en-US" dirty="0"/>
               <a:t>Click to edit Master text styles</a:t>
             </a:r>
           </a:p>
           <a:p>
             <a:pPr lvl="1"/>
             <a:r>
-              <a:rPr lang="en-US" dirty="0" smtClean="0"/>
+              <a:rPr lang="en-US" dirty="0"/>
               <a:t>Second level</a:t>
             </a:r>
           </a:p>
           <a:p>
             <a:pPr lvl="2"/>
             <a:r>
-              <a:rPr lang="en-US" dirty="0" smtClean="0"/>
+              <a:rPr lang="en-US" dirty="0"/>
               <a:t>Third level</a:t>
             </a:r>
           </a:p>
           <a:p>
             <a:pPr lvl="3"/>
             <a:r>
-              <a:rPr lang="en-US" dirty="0" smtClean="0"/>
+              <a:rPr lang="en-US" dirty="0"/>
               <a:t>Fourth level</a:t>
             </a:r>
           </a:p>
           <a:p>
             <a:pPr lvl="4"/>
             <a:r>
-              <a:rPr lang="en-US" dirty="0" smtClean="0"/>
+              <a:rPr lang="en-US" dirty="0"/>
               <a:t>Fifth level</a:t>
             </a:r>
-            <a:endParaRPr lang="en-US" dirty="0"/>
           </a:p>
         </p:txBody>
       </p:sp>
@@ -1232,38 +1259,37 @@
           <a:p>
             <a:pPr lvl="0"/>
             <a:r>
-              <a:rPr lang="en-US" smtClean="0"/>
+              <a:rPr lang="en-US"/>
               <a:t>Click to edit Master text styles</a:t>
             </a:r>
           </a:p>
           <a:p>
             <a:pPr lvl="1"/>
             <a:r>
-              <a:rPr lang="en-US" smtClean="0"/>
+              <a:rPr lang="en-US"/>
               <a:t>Second level</a:t>
             </a:r>
           </a:p>
           <a:p>
             <a:pPr lvl="2"/>
             <a:r>
-              <a:rPr lang="en-US" smtClean="0"/>
+              <a:rPr lang="en-US"/>
               <a:t>Third level</a:t>
             </a:r>
           </a:p>
           <a:p>
             <a:pPr lvl="3"/>
             <a:r>
-              <a:rPr lang="en-US" smtClean="0"/>
+              <a:rPr lang="en-US"/>
               <a:t>Fourth level</a:t>
             </a:r>
           </a:p>
           <a:p>
             <a:pPr lvl="4"/>
             <a:r>
-              <a:rPr lang="en-US" smtClean="0"/>
+              <a:rPr lang="en-US"/>
               <a:t>Fifth level</a:t>
             </a:r>
-            <a:endParaRPr lang="en-US"/>
           </a:p>
         </p:txBody>
       </p:sp>
@@ -1292,7 +1318,7 @@
           <a:p>
             <a:fld id="{D53E336C-B85D-C24B-A58B-2B0931AA8349}" type="datetimeFigureOut">
               <a:rPr lang="en-US" smtClean="0"/>
-              <a:t>1/14/2019</a:t>
+              <a:t>3/18/2019</a:t>
             </a:fld>
             <a:endParaRPr lang="en-US"/>
           </a:p>
@@ -1421,10 +1447,9 @@
           </a:lstStyle>
           <a:p>
             <a:r>
-              <a:rPr lang="en-US" dirty="0" smtClean="0"/>
+              <a:rPr lang="en-US" dirty="0"/>
               <a:t>Click to edit Master title style</a:t>
             </a:r>
-            <a:endParaRPr lang="en-US" dirty="0"/>
           </a:p>
         </p:txBody>
       </p:sp>
@@ -1490,7 +1515,7 @@
           <a:p>
             <a:pPr lvl="0"/>
             <a:r>
-              <a:rPr lang="en-US" dirty="0" smtClean="0"/>
+              <a:rPr lang="en-US" dirty="0"/>
               <a:t>Click to edit Master text styles</a:t>
             </a:r>
           </a:p>
@@ -1549,38 +1574,37 @@
           <a:p>
             <a:pPr lvl="0"/>
             <a:r>
-              <a:rPr lang="en-US" dirty="0" smtClean="0"/>
+              <a:rPr lang="en-US" dirty="0"/>
               <a:t>Click to edit Master text styles</a:t>
             </a:r>
           </a:p>
           <a:p>
             <a:pPr lvl="1"/>
             <a:r>
-              <a:rPr lang="en-US" dirty="0" smtClean="0"/>
+              <a:rPr lang="en-US" dirty="0"/>
               <a:t>Second level</a:t>
             </a:r>
           </a:p>
           <a:p>
             <a:pPr lvl="2"/>
             <a:r>
-              <a:rPr lang="en-US" dirty="0" smtClean="0"/>
+              <a:rPr lang="en-US" dirty="0"/>
               <a:t>Third level</a:t>
             </a:r>
           </a:p>
           <a:p>
             <a:pPr lvl="3"/>
             <a:r>
-              <a:rPr lang="en-US" dirty="0" smtClean="0"/>
+              <a:rPr lang="en-US" dirty="0"/>
               <a:t>Fourth level</a:t>
             </a:r>
           </a:p>
           <a:p>
             <a:pPr lvl="4"/>
             <a:r>
-              <a:rPr lang="en-US" dirty="0" smtClean="0"/>
+              <a:rPr lang="en-US" dirty="0"/>
               <a:t>Fifth level</a:t>
             </a:r>
-            <a:endParaRPr lang="en-US" dirty="0"/>
           </a:p>
         </p:txBody>
       </p:sp>
@@ -1646,7 +1670,7 @@
           <a:p>
             <a:pPr lvl="0"/>
             <a:r>
-              <a:rPr lang="en-US" smtClean="0"/>
+              <a:rPr lang="en-US"/>
               <a:t>Click to edit Master text styles</a:t>
             </a:r>
           </a:p>
@@ -1705,38 +1729,37 @@
           <a:p>
             <a:pPr lvl="0"/>
             <a:r>
-              <a:rPr lang="en-US" smtClean="0"/>
+              <a:rPr lang="en-US"/>
               <a:t>Click to edit Master text styles</a:t>
             </a:r>
           </a:p>
           <a:p>
             <a:pPr lvl="1"/>
             <a:r>
-              <a:rPr lang="en-US" smtClean="0"/>
+              <a:rPr lang="en-US"/>
               <a:t>Second level</a:t>
             </a:r>
           </a:p>
           <a:p>
             <a:pPr lvl="2"/>
             <a:r>
-              <a:rPr lang="en-US" smtClean="0"/>
+              <a:rPr lang="en-US"/>
               <a:t>Third level</a:t>
             </a:r>
           </a:p>
           <a:p>
             <a:pPr lvl="3"/>
             <a:r>
-              <a:rPr lang="en-US" smtClean="0"/>
+              <a:rPr lang="en-US"/>
               <a:t>Fourth level</a:t>
             </a:r>
           </a:p>
           <a:p>
             <a:pPr lvl="4"/>
             <a:r>
-              <a:rPr lang="en-US" smtClean="0"/>
+              <a:rPr lang="en-US"/>
               <a:t>Fifth level</a:t>
             </a:r>
-            <a:endParaRPr lang="en-US"/>
           </a:p>
         </p:txBody>
       </p:sp>
@@ -1804,10 +1827,9 @@
           <a:lstStyle/>
           <a:p>
             <a:r>
-              <a:rPr lang="en-US" smtClean="0"/>
+              <a:rPr lang="en-US"/>
               <a:t>Click to edit Master title style</a:t>
             </a:r>
-            <a:endParaRPr lang="en-US"/>
           </a:p>
         </p:txBody>
       </p:sp>
@@ -1836,7 +1858,7 @@
           <a:p>
             <a:fld id="{D53E336C-B85D-C24B-A58B-2B0931AA8349}" type="datetimeFigureOut">
               <a:rPr lang="en-US" smtClean="0"/>
-              <a:t>1/14/2019</a:t>
+              <a:t>3/18/2019</a:t>
             </a:fld>
             <a:endParaRPr lang="en-US"/>
           </a:p>
@@ -1942,7 +1964,7 @@
           <a:p>
             <a:fld id="{D53E336C-B85D-C24B-A58B-2B0931AA8349}" type="datetimeFigureOut">
               <a:rPr lang="en-US" smtClean="0"/>
-              <a:t>1/14/2019</a:t>
+              <a:t>3/18/2019</a:t>
             </a:fld>
             <a:endParaRPr lang="en-US"/>
           </a:p>
@@ -2048,10 +2070,9 @@
           </a:lstStyle>
           <a:p>
             <a:r>
-              <a:rPr lang="en-US" smtClean="0"/>
+              <a:rPr lang="en-US"/>
               <a:t>Click to edit Master title style</a:t>
             </a:r>
-            <a:endParaRPr lang="en-US"/>
           </a:p>
         </p:txBody>
       </p:sp>
@@ -2108,38 +2129,37 @@
           <a:p>
             <a:pPr lvl="0"/>
             <a:r>
-              <a:rPr lang="en-US" smtClean="0"/>
+              <a:rPr lang="en-US"/>
               <a:t>Click to edit Master text styles</a:t>
             </a:r>
           </a:p>
           <a:p>
             <a:pPr lvl="1"/>
             <a:r>
-              <a:rPr lang="en-US" smtClean="0"/>
+              <a:rPr lang="en-US"/>
               <a:t>Second level</a:t>
             </a:r>
           </a:p>
           <a:p>
             <a:pPr lvl="2"/>
             <a:r>
-              <a:rPr lang="en-US" smtClean="0"/>
+              <a:rPr lang="en-US"/>
               <a:t>Third level</a:t>
             </a:r>
           </a:p>
           <a:p>
             <a:pPr lvl="3"/>
             <a:r>
-              <a:rPr lang="en-US" smtClean="0"/>
+              <a:rPr lang="en-US"/>
               <a:t>Fourth level</a:t>
             </a:r>
           </a:p>
           <a:p>
             <a:pPr lvl="4"/>
             <a:r>
-              <a:rPr lang="en-US" smtClean="0"/>
+              <a:rPr lang="en-US"/>
               <a:t>Fifth level</a:t>
             </a:r>
-            <a:endParaRPr lang="en-US"/>
           </a:p>
         </p:txBody>
       </p:sp>
@@ -2205,7 +2225,7 @@
           <a:p>
             <a:pPr lvl="0"/>
             <a:r>
-              <a:rPr lang="en-US" dirty="0" smtClean="0"/>
+              <a:rPr lang="en-US" dirty="0"/>
               <a:t>Click to edit Master text styles</a:t>
             </a:r>
           </a:p>
@@ -2236,7 +2256,7 @@
           <a:p>
             <a:fld id="{D53E336C-B85D-C24B-A58B-2B0931AA8349}" type="datetimeFigureOut">
               <a:rPr lang="en-US" smtClean="0"/>
-              <a:t>1/14/2019</a:t>
+              <a:t>3/18/2019</a:t>
             </a:fld>
             <a:endParaRPr lang="en-US"/>
           </a:p>
@@ -2342,10 +2362,9 @@
           </a:lstStyle>
           <a:p>
             <a:r>
-              <a:rPr lang="en-US" smtClean="0"/>
+              <a:rPr lang="en-US"/>
               <a:t>Click to edit Master title style</a:t>
             </a:r>
-            <a:endParaRPr lang="en-US"/>
           </a:p>
         </p:txBody>
       </p:sp>
@@ -2475,7 +2494,7 @@
           <a:p>
             <a:pPr lvl="0"/>
             <a:r>
-              <a:rPr lang="en-US" dirty="0" smtClean="0"/>
+              <a:rPr lang="en-US" dirty="0"/>
               <a:t>Click to edit Master text styles</a:t>
             </a:r>
           </a:p>
@@ -2506,7 +2525,7 @@
           <a:p>
             <a:fld id="{D53E336C-B85D-C24B-A58B-2B0931AA8349}" type="datetimeFigureOut">
               <a:rPr lang="en-US" smtClean="0"/>
-              <a:t>1/14/2019</a:t>
+              <a:t>3/18/2019</a:t>
             </a:fld>
             <a:endParaRPr lang="en-US"/>
           </a:p>
@@ -2700,10 +2719,9 @@
           <a:lstStyle/>
           <a:p>
             <a:r>
-              <a:rPr lang="en-US" dirty="0" smtClean="0"/>
+              <a:rPr lang="en-US" dirty="0"/>
               <a:t>Click to edit Master title style</a:t>
             </a:r>
-            <a:endParaRPr lang="en-US" dirty="0"/>
           </a:p>
         </p:txBody>
       </p:sp>
@@ -3057,17 +3075,16 @@
           <a:lstStyle/>
           <a:p>
             <a:r>
-              <a:rPr lang="en-US" dirty="0" smtClean="0"/>
+              <a:rPr lang="en-US" dirty="0"/>
               <a:t>Salary Inversion</a:t>
             </a:r>
             <a:br>
-              <a:rPr lang="en-US" dirty="0" smtClean="0"/>
+              <a:rPr lang="en-US" dirty="0"/>
             </a:br>
             <a:r>
-              <a:rPr lang="en-US" dirty="0" smtClean="0"/>
+              <a:rPr lang="en-US" dirty="0"/>
               <a:t> </a:t>
             </a:r>
-            <a:endParaRPr lang="en-US" dirty="0"/>
           </a:p>
         </p:txBody>
       </p:sp>
@@ -3095,24 +3112,23 @@
           <a:p>
             <a:pPr algn="ctr"/>
             <a:r>
-              <a:rPr lang="en-US" sz="2000" dirty="0" smtClean="0"/>
+              <a:rPr lang="en-US" sz="2000" dirty="0"/>
               <a:t>Subcommittee on Salary Inversion</a:t>
             </a:r>
           </a:p>
           <a:p>
             <a:pPr algn="ctr"/>
             <a:r>
-              <a:rPr lang="en-US" dirty="0" smtClean="0"/>
+              <a:rPr lang="en-US" dirty="0"/>
               <a:t>Salary, Benefits, Budget, and Fiscal Planning Committee</a:t>
             </a:r>
           </a:p>
           <a:p>
             <a:pPr algn="ctr"/>
             <a:r>
-              <a:rPr lang="en-US" sz="2000" dirty="0" smtClean="0"/>
+              <a:rPr lang="en-US" sz="2000" dirty="0"/>
               <a:t>2018-2019 Data</a:t>
             </a:r>
-            <a:endParaRPr lang="en-US" sz="2000" dirty="0"/>
           </a:p>
         </p:txBody>
       </p:sp>
@@ -3165,10 +3181,9 @@
           <a:p>
             <a:pPr algn="l"/>
             <a:r>
-              <a:rPr lang="en-US" dirty="0" smtClean="0"/>
+              <a:rPr lang="en-US" dirty="0"/>
               <a:t>Background</a:t>
             </a:r>
-            <a:endParaRPr lang="en-US" dirty="0"/>
           </a:p>
         </p:txBody>
       </p:sp>
@@ -3195,49 +3210,21 @@
           <a:lstStyle/>
           <a:p>
             <a:r>
-              <a:rPr lang="en-US" sz="2000" dirty="0" smtClean="0"/>
-              <a:t>Definition </a:t>
-            </a:r>
-            <a:r>
               <a:rPr lang="en-US" sz="2000" dirty="0"/>
-              <a:t>of Inversion</a:t>
+              <a:t>Definition of Inversion</a:t>
             </a:r>
           </a:p>
           <a:p>
             <a:pPr lvl="1"/>
             <a:r>
               <a:rPr lang="en-US" sz="2000" dirty="0"/>
-              <a:t>A faculty member of </a:t>
-            </a:r>
-            <a:r>
-              <a:rPr lang="en-US" sz="2000" dirty="0" smtClean="0"/>
-              <a:t>higher rank earning less </a:t>
-            </a:r>
+              <a:t>A faculty member of higher rank earning less in nine-month FTE salary than a faculty member of lower rank</a:t>
+            </a:r>
+          </a:p>
+          <a:p>
             <a:r>
               <a:rPr lang="en-US" sz="2000" dirty="0"/>
-              <a:t>in nine-month FTE salary than a faculty member of </a:t>
-            </a:r>
-            <a:r>
-              <a:rPr lang="en-US" sz="2000" dirty="0" smtClean="0"/>
-              <a:t>lower </a:t>
-            </a:r>
-            <a:r>
-              <a:rPr lang="en-US" sz="2000" dirty="0"/>
-              <a:t>rank</a:t>
-            </a:r>
-          </a:p>
-          <a:p>
-            <a:r>
-              <a:rPr lang="en-US" sz="2000" dirty="0"/>
-              <a:t>Data from </a:t>
-            </a:r>
-            <a:r>
-              <a:rPr lang="en-US" sz="2000" dirty="0" smtClean="0"/>
-              <a:t>2018-2019 </a:t>
-            </a:r>
-            <a:r>
-              <a:rPr lang="en-US" sz="2000" dirty="0"/>
-              <a:t>equity model available at </a:t>
+              <a:t>Data from 2018-2019 equity model available at </a:t>
             </a:r>
             <a:r>
               <a:rPr lang="en-US" sz="2000" dirty="0" err="1"/>
@@ -3262,98 +3249,43 @@
           <a:p>
             <a:pPr lvl="1"/>
             <a:r>
-              <a:rPr lang="en-US" sz="2000" dirty="0" smtClean="0"/>
-              <a:t>66 </a:t>
-            </a:r>
-            <a:r>
               <a:rPr lang="en-US" sz="2000" dirty="0"/>
-              <a:t>faculty </a:t>
-            </a:r>
-            <a:r>
-              <a:rPr lang="en-US" sz="2000" dirty="0" smtClean="0"/>
-              <a:t>members, down from </a:t>
-            </a:r>
-            <a:r>
-              <a:rPr lang="en-US" sz="2000" dirty="0" smtClean="0"/>
-              <a:t>72 in 2017-18</a:t>
-            </a:r>
+              <a:t>66 faculty members, down from 72 in 2017-18</a:t>
+            </a:r>
+          </a:p>
+          <a:p>
+            <a:pPr lvl="1"/>
+            <a:r>
+              <a:rPr lang="en-US" sz="2000" dirty="0"/>
+              <a:t>12% of 550 total faculty members (counted in the model), down from 13.4% in 2017-18</a:t>
+            </a:r>
+          </a:p>
+          <a:p>
+            <a:pPr lvl="1"/>
+            <a:r>
+              <a:rPr lang="en-US" sz="2000" dirty="0"/>
+              <a:t>Total amount of salary inversions: $926,955, up from $829,916 in 2017-18 (salary only)</a:t>
+            </a:r>
+          </a:p>
+          <a:p>
+            <a:pPr marL="457200" lvl="1" indent="0">
+              <a:buNone/>
+            </a:pPr>
             <a:endParaRPr lang="en-US" sz="2000" dirty="0"/>
           </a:p>
           <a:p>
-            <a:pPr lvl="1"/>
-            <a:r>
-              <a:rPr lang="en-US" sz="2000" dirty="0" smtClean="0"/>
-              <a:t>12% of 550 </a:t>
-            </a:r>
             <a:r>
               <a:rPr lang="en-US" sz="2000" dirty="0"/>
-              <a:t>total faculty </a:t>
-            </a:r>
-            <a:r>
-              <a:rPr lang="en-US" sz="2000" dirty="0" smtClean="0"/>
-              <a:t>members (counted in the model), down from 13.4</a:t>
-            </a:r>
-            <a:r>
-              <a:rPr lang="en-US" sz="2000" dirty="0" smtClean="0"/>
-              <a:t>% </a:t>
-            </a:r>
-            <a:r>
-              <a:rPr lang="en-US" sz="2000" dirty="0" smtClean="0"/>
-              <a:t>in 2017-18</a:t>
-            </a:r>
-            <a:endParaRPr lang="en-US" sz="2000" dirty="0"/>
-          </a:p>
-          <a:p>
-            <a:pPr lvl="1"/>
+              <a:t>Spencer Hilton created an Access query to automate the process once the data from Betty </a:t>
+            </a:r>
+            <a:r>
+              <a:rPr lang="en-US" sz="2000" dirty="0" err="1"/>
+              <a:t>Kusnierz</a:t>
+            </a:r>
             <a:r>
               <a:rPr lang="en-US" sz="2000" dirty="0"/>
-              <a:t>Total amount of salary inversions</a:t>
-            </a:r>
-            <a:r>
-              <a:rPr lang="en-US" sz="2000" dirty="0" smtClean="0"/>
-              <a:t>: $926,955, up from $829,916 </a:t>
-            </a:r>
-            <a:r>
-              <a:rPr lang="en-US" sz="2000" dirty="0"/>
-              <a:t>in </a:t>
-            </a:r>
-            <a:r>
-              <a:rPr lang="en-US" sz="2000" dirty="0" smtClean="0"/>
-              <a:t>2017-18 </a:t>
-            </a:r>
-            <a:r>
-              <a:rPr lang="en-US" sz="2000" dirty="0" smtClean="0"/>
-              <a:t>(salary </a:t>
-            </a:r>
-            <a:r>
-              <a:rPr lang="en-US" sz="2000" dirty="0"/>
-              <a:t>only</a:t>
-            </a:r>
-            <a:r>
-              <a:rPr lang="en-US" sz="2000" dirty="0" smtClean="0"/>
-              <a:t>)</a:t>
-            </a:r>
-          </a:p>
-          <a:p>
-            <a:pPr marL="457200" lvl="1" indent="0">
-              <a:buNone/>
-            </a:pPr>
-            <a:endParaRPr lang="en-US" sz="2000" dirty="0" smtClean="0"/>
-          </a:p>
-          <a:p>
-            <a:r>
-              <a:rPr lang="en-US" sz="2000" dirty="0" smtClean="0"/>
-              <a:t>Spencer Hilton created an Access query to automate the process once the data from Betty </a:t>
-            </a:r>
-            <a:r>
-              <a:rPr lang="en-US" sz="2000" dirty="0" err="1" smtClean="0"/>
-              <a:t>Kusnierz</a:t>
-            </a:r>
-            <a:r>
-              <a:rPr lang="en-US" sz="2000" dirty="0" smtClean="0"/>
               <a:t> were entered into the Access database. </a:t>
             </a:r>
-            <a:endParaRPr lang="en-US" sz="2000" dirty="0"/>
           </a:p>
         </p:txBody>
       </p:sp>
@@ -3367,13 +3299,6 @@
   <p:clrMapOvr>
     <a:masterClrMapping/>
   </p:clrMapOvr>
-  <p:timing>
-    <p:tnLst>
-      <p:par>
-        <p:cTn id="1" dur="indefinite" restart="never" nodeType="tmRoot"/>
-      </p:par>
-    </p:tnLst>
-  </p:timing>
 </p:sld>
 </file>
 
@@ -3416,10 +3341,9 @@
           <a:p>
             <a:pPr algn="l"/>
             <a:r>
-              <a:rPr lang="en-US" dirty="0" smtClean="0"/>
+              <a:rPr lang="en-US" dirty="0"/>
               <a:t>Counting Inversions</a:t>
             </a:r>
-            <a:endParaRPr lang="en-US" dirty="0"/>
           </a:p>
         </p:txBody>
       </p:sp>
@@ -3447,25 +3371,15 @@
           <a:p>
             <a:r>
               <a:rPr lang="en-US" sz="2000" dirty="0"/>
-              <a:t>Number of </a:t>
-            </a:r>
-            <a:r>
-              <a:rPr lang="en-US" sz="2000" dirty="0" smtClean="0"/>
-              <a:t>Inversions:</a:t>
-            </a:r>
-            <a:endParaRPr lang="en-US" sz="2000" dirty="0"/>
+              <a:t>Number of Inversions:</a:t>
+            </a:r>
           </a:p>
           <a:p>
             <a:pPr lvl="1"/>
             <a:r>
               <a:rPr lang="en-US" sz="1800" dirty="0"/>
-              <a:t>Number of faculty members making less than at least one lower ranked faculty </a:t>
-            </a:r>
-            <a:r>
-              <a:rPr lang="en-US" sz="1800" dirty="0" smtClean="0"/>
-              <a:t>member.  Counted from the perspective of the higher ranked, lower paid faculty. </a:t>
-            </a:r>
-            <a:endParaRPr lang="en-US" sz="1800" dirty="0"/>
+              <a:t>Number of faculty members making less than at least one lower ranked faculty member.  Counted from the perspective of the higher ranked, lower paid faculty. </a:t>
+            </a:r>
           </a:p>
           <a:p>
             <a:pPr lvl="2"/>
@@ -3478,29 +3392,20 @@
             <a:pPr lvl="2"/>
             <a:r>
               <a:rPr lang="en-US" sz="1600" dirty="0"/>
-              <a:t>E.g. An assistant professor in a department makes more than two associate professors and more than one full professor. (Counted as three inversions</a:t>
-            </a:r>
-            <a:r>
-              <a:rPr lang="en-US" sz="1600" dirty="0" smtClean="0"/>
-              <a:t>)</a:t>
+              <a:t>E.g. An assistant professor in a department makes more than two associate professors and more than one full professor. (Counted as three inversions)</a:t>
             </a:r>
           </a:p>
           <a:p>
             <a:pPr marL="457200" lvl="1" indent="0">
               <a:buNone/>
             </a:pPr>
-            <a:endParaRPr lang="en-US" sz="1800" dirty="0" smtClean="0"/>
+            <a:endParaRPr lang="en-US" sz="1800" dirty="0"/>
           </a:p>
           <a:p>
             <a:r>
               <a:rPr lang="en-US" sz="2000" dirty="0"/>
-              <a:t>Dollar amount of </a:t>
-            </a:r>
-            <a:r>
-              <a:rPr lang="en-US" sz="2000" dirty="0" smtClean="0"/>
-              <a:t>inversions:  The amount needed to erase the inversion</a:t>
-            </a:r>
-            <a:endParaRPr lang="en-US" sz="2000" dirty="0"/>
+              <a:t>Dollar amount of inversions:  The amount needed to erase the inversion</a:t>
+            </a:r>
           </a:p>
           <a:p>
             <a:pPr lvl="1"/>
@@ -3531,13 +3436,6 @@
   <p:clrMapOvr>
     <a:masterClrMapping/>
   </p:clrMapOvr>
-  <p:timing>
-    <p:tnLst>
-      <p:par>
-        <p:cTn id="1" dur="indefinite" restart="never" nodeType="tmRoot"/>
-      </p:par>
-    </p:tnLst>
-  </p:timing>
 </p:sld>
 </file>
 
@@ -3580,13 +3478,8 @@
           <a:p>
             <a:r>
               <a:rPr lang="en-US" dirty="0"/>
-              <a:t>C</a:t>
-            </a:r>
-            <a:r>
-              <a:rPr lang="en-US" dirty="0" smtClean="0"/>
-              <a:t>aveats</a:t>
-            </a:r>
-            <a:endParaRPr lang="en-US" dirty="0"/>
+              <a:t>Caveats</a:t>
+            </a:r>
           </a:p>
         </p:txBody>
       </p:sp>
@@ -3628,65 +3521,36 @@
             <a:pPr lvl="1"/>
             <a:r>
               <a:rPr lang="en-US" sz="1800" dirty="0"/>
-              <a:t>Faculty </a:t>
-            </a:r>
-            <a:r>
-              <a:rPr lang="en-US" sz="1800" dirty="0" smtClean="0"/>
-              <a:t>member </a:t>
-            </a:r>
+              <a:t>Faculty member degrees not considered</a:t>
+            </a:r>
+          </a:p>
+          <a:p>
+            <a:pPr lvl="1"/>
             <a:r>
               <a:rPr lang="en-US" sz="1800" dirty="0"/>
-              <a:t>degrees not considered</a:t>
+              <a:t>Years of service at rank not considered</a:t>
             </a:r>
           </a:p>
           <a:p>
             <a:pPr lvl="1"/>
             <a:r>
               <a:rPr lang="en-US" sz="1800" dirty="0"/>
-              <a:t>Years of </a:t>
-            </a:r>
-            <a:r>
-              <a:rPr lang="en-US" sz="1800" dirty="0" smtClean="0"/>
-              <a:t>service at rank </a:t>
-            </a:r>
+              <a:t>Special situations (e.g. Nursing, Accounting) not considered</a:t>
+            </a:r>
+          </a:p>
+          <a:p>
+            <a:pPr lvl="1"/>
             <a:r>
               <a:rPr lang="en-US" sz="1800" dirty="0"/>
-              <a:t>not considered</a:t>
+              <a:t>No justifying reasons for inversions (e.g. underperformance of inverted faculty) considered</a:t>
             </a:r>
           </a:p>
           <a:p>
             <a:pPr lvl="1"/>
             <a:r>
               <a:rPr lang="en-US" sz="1800" dirty="0"/>
-              <a:t>Special situations (e.g. </a:t>
-            </a:r>
-            <a:r>
-              <a:rPr lang="en-US" sz="1800" dirty="0" smtClean="0"/>
-              <a:t>Nursing, Accounting) </a:t>
-            </a:r>
-            <a:r>
-              <a:rPr lang="en-US" sz="1800" dirty="0"/>
-              <a:t>not considered</a:t>
-            </a:r>
-          </a:p>
-          <a:p>
-            <a:pPr lvl="1"/>
-            <a:r>
-              <a:rPr lang="en-US" sz="1800" dirty="0"/>
-              <a:t>No justifying reasons for inversions (e.g. underperformance of inverted faculty) </a:t>
-            </a:r>
-            <a:r>
-              <a:rPr lang="en-US" sz="1800" dirty="0" smtClean="0"/>
-              <a:t>considered</a:t>
-            </a:r>
-          </a:p>
-          <a:p>
-            <a:pPr lvl="1"/>
-            <a:r>
-              <a:rPr lang="en-US" sz="1800" dirty="0" smtClean="0"/>
               <a:t>One higher paid, lower ranked faculty member might invert multiple faculty at higher rank creating a perception of a larger problem than actually exists.</a:t>
             </a:r>
-            <a:endParaRPr lang="en-US" sz="1800" dirty="0"/>
           </a:p>
         </p:txBody>
       </p:sp>
@@ -3713,14 +3577,13 @@
           <a:lstStyle/>
           <a:p>
             <a:r>
-              <a:rPr lang="en-US" sz="2400" dirty="0" smtClean="0"/>
+              <a:rPr lang="en-US" sz="2400" dirty="0"/>
               <a:t>Further review at the college level is needed to address specific inversion situations.</a:t>
             </a:r>
             <a:r>
-              <a:rPr lang="en-US" dirty="0" smtClean="0"/>
+              <a:rPr lang="en-US" dirty="0"/>
               <a:t> </a:t>
             </a:r>
-            <a:endParaRPr lang="en-US" dirty="0"/>
           </a:p>
         </p:txBody>
       </p:sp>
@@ -3734,13 +3597,6 @@
   <p:clrMapOvr>
     <a:masterClrMapping/>
   </p:clrMapOvr>
-  <p:timing>
-    <p:tnLst>
-      <p:par>
-        <p:cTn id="1" dur="indefinite" restart="never" nodeType="tmRoot"/>
-      </p:par>
-    </p:tnLst>
-  </p:timing>
 </p:sld>
 </file>
 
@@ -3769,7 +3625,7 @@
         </p:nvSpPr>
         <p:spPr>
           <a:xfrm>
-            <a:off x="137511" y="215939"/>
+            <a:off x="137511" y="197086"/>
             <a:ext cx="3154680" cy="1061829"/>
           </a:xfrm>
           <a:prstGeom prst="rect">
@@ -3806,7 +3662,7 @@
         </p:nvSpPr>
         <p:spPr>
           <a:xfrm>
-            <a:off x="312390" y="1437542"/>
+            <a:off x="312390" y="1446969"/>
             <a:ext cx="2804922" cy="2631490"/>
           </a:xfrm>
           <a:prstGeom prst="rect">
@@ -3867,7 +3723,7 @@
           <a:graphicData uri="http://schemas.openxmlformats.org/presentationml/2006/ole">
             <mc:AlternateContent xmlns:mc="http://schemas.openxmlformats.org/markup-compatibility/2006">
               <mc:Choice xmlns:v="urn:schemas-microsoft-com:vml" Requires="v">
-                <p:oleObj spid="_x0000_s3079" name="Worksheet" r:id="rId3" imgW="4048208" imgH="5343490" progId="Excel.Sheet.12">
+                <p:oleObj spid="_x0000_s1026" name="Worksheet" r:id="rId3" imgW="4048208" imgH="5343490" progId="Excel.Sheet.12">
                   <p:embed/>
                 </p:oleObj>
               </mc:Choice>
@@ -3876,7 +3732,7 @@
                   <p:embed/>
                   <p:pic>
                     <p:nvPicPr>
-                      <p:cNvPr id="0" name=""/>
+                      <p:cNvPr id="2" name="Object 1"/>
                       <p:cNvPicPr/>
                       <p:nvPr/>
                     </p:nvPicPr>
@@ -3912,13 +3768,6 @@
   <p:clrMapOvr>
     <a:masterClrMapping/>
   </p:clrMapOvr>
-  <p:timing>
-    <p:tnLst>
-      <p:par>
-        <p:cTn id="1" dur="indefinite" restart="never" nodeType="tmRoot"/>
-      </p:par>
-    </p:tnLst>
-  </p:timing>
 </p:sld>
 </file>
 
@@ -4007,20 +3856,16 @@
               </a:spcAft>
             </a:pPr>
             <a:r>
-              <a:rPr lang="en-US" sz="1500" dirty="0" smtClean="0"/>
+              <a:rPr lang="en-US" sz="1500" dirty="0"/>
               <a:t>A&lt;I: (A)</a:t>
             </a:r>
             <a:r>
-              <a:rPr lang="en-US" sz="1500" dirty="0" err="1" smtClean="0"/>
+              <a:rPr lang="en-US" sz="1500" dirty="0" err="1"/>
               <a:t>ssistant</a:t>
             </a:r>
             <a:r>
-              <a:rPr lang="en-US" sz="1500" dirty="0" smtClean="0"/>
-              <a:t>&lt;(</a:t>
-            </a:r>
-            <a:r>
               <a:rPr lang="en-US" sz="1500" dirty="0"/>
-              <a:t>I)</a:t>
+              <a:t>&lt;(I)</a:t>
             </a:r>
             <a:r>
               <a:rPr lang="en-US" sz="1500" dirty="0" err="1"/>
@@ -4030,7 +3875,6 @@
               <a:rPr lang="en-US" sz="1500" dirty="0"/>
               <a:t> </a:t>
             </a:r>
-            <a:endParaRPr lang="en-US" sz="1500" dirty="0" smtClean="0"/>
           </a:p>
           <a:p>
             <a:pPr>
@@ -4042,32 +3886,24 @@
               </a:spcAft>
             </a:pPr>
             <a:r>
-              <a:rPr lang="en-US" sz="1500" dirty="0" smtClean="0"/>
-              <a:t>C&lt;I</a:t>
-            </a:r>
-            <a:r>
               <a:rPr lang="en-US" sz="1500" dirty="0"/>
-              <a:t>: </a:t>
-            </a:r>
-            <a:r>
-              <a:rPr lang="en-US" sz="1500" dirty="0" err="1" smtClean="0"/>
+              <a:t>C&lt;I: </a:t>
+            </a:r>
+            <a:r>
+              <a:rPr lang="en-US" sz="1500" dirty="0" err="1"/>
               <a:t>Asso</a:t>
             </a:r>
             <a:r>
-              <a:rPr lang="en-US" sz="1500" dirty="0" smtClean="0"/>
+              <a:rPr lang="en-US" sz="1500" dirty="0"/>
               <a:t>(C)</a:t>
             </a:r>
             <a:r>
-              <a:rPr lang="en-US" sz="1500" dirty="0" err="1" smtClean="0"/>
+              <a:rPr lang="en-US" sz="1500" dirty="0" err="1"/>
               <a:t>iate</a:t>
             </a:r>
             <a:r>
-              <a:rPr lang="en-US" sz="1500" dirty="0" smtClean="0"/>
-              <a:t>&lt;(</a:t>
-            </a:r>
-            <a:r>
               <a:rPr lang="en-US" sz="1500" dirty="0"/>
-              <a:t>I)</a:t>
+              <a:t>&lt;(I)</a:t>
             </a:r>
             <a:r>
               <a:rPr lang="en-US" sz="1500" dirty="0" err="1"/>
@@ -4077,7 +3913,6 @@
               <a:rPr lang="en-US" sz="1500" dirty="0"/>
               <a:t> </a:t>
             </a:r>
-            <a:endParaRPr lang="en-US" sz="1500" dirty="0" smtClean="0"/>
           </a:p>
           <a:p>
             <a:pPr>
@@ -4089,28 +3924,16 @@
               </a:spcAft>
             </a:pPr>
             <a:r>
-              <a:rPr lang="en-US" sz="1500" dirty="0" smtClean="0"/>
-              <a:t>F&lt;I</a:t>
-            </a:r>
-            <a:r>
               <a:rPr lang="en-US" sz="1500" dirty="0"/>
-              <a:t>: (</a:t>
-            </a:r>
-            <a:r>
-              <a:rPr lang="en-US" sz="1500" dirty="0" smtClean="0"/>
-              <a:t>F)</a:t>
-            </a:r>
-            <a:r>
-              <a:rPr lang="en-US" sz="1500" dirty="0" err="1" smtClean="0"/>
+              <a:t>F&lt;I: (F)</a:t>
+            </a:r>
+            <a:r>
+              <a:rPr lang="en-US" sz="1500" dirty="0" err="1"/>
               <a:t>ull</a:t>
             </a:r>
             <a:r>
-              <a:rPr lang="en-US" sz="1500" dirty="0" smtClean="0"/>
-              <a:t>&lt;(</a:t>
-            </a:r>
-            <a:r>
               <a:rPr lang="en-US" sz="1500" dirty="0"/>
-              <a:t>I)</a:t>
+              <a:t>&lt;(I)</a:t>
             </a:r>
             <a:r>
               <a:rPr lang="en-US" sz="1500" dirty="0" err="1"/>
@@ -4131,30 +3954,30 @@
               </a:spcAft>
             </a:pPr>
             <a:r>
-              <a:rPr lang="en-US" sz="1500" dirty="0" smtClean="0"/>
+              <a:rPr lang="en-US" sz="1500" dirty="0"/>
               <a:t>C&lt;A: </a:t>
             </a:r>
             <a:r>
-              <a:rPr lang="en-US" sz="1500" dirty="0" err="1" smtClean="0"/>
+              <a:rPr lang="en-US" sz="1500" dirty="0" err="1"/>
               <a:t>Asso</a:t>
             </a:r>
             <a:r>
-              <a:rPr lang="en-US" sz="1500" dirty="0" smtClean="0"/>
+              <a:rPr lang="en-US" sz="1500" dirty="0"/>
               <a:t>(C)</a:t>
             </a:r>
             <a:r>
-              <a:rPr lang="en-US" sz="1500" dirty="0" err="1" smtClean="0"/>
+              <a:rPr lang="en-US" sz="1500" dirty="0" err="1"/>
               <a:t>iate</a:t>
             </a:r>
             <a:r>
-              <a:rPr lang="en-US" sz="1500" dirty="0" smtClean="0"/>
+              <a:rPr lang="en-US" sz="1500" dirty="0"/>
               <a:t>&lt;(A)</a:t>
             </a:r>
             <a:r>
-              <a:rPr lang="en-US" sz="1500" dirty="0" err="1" smtClean="0"/>
+              <a:rPr lang="en-US" sz="1500" dirty="0" err="1"/>
               <a:t>ssistant</a:t>
             </a:r>
-            <a:endParaRPr lang="en-US" sz="1500" dirty="0" smtClean="0"/>
+            <a:endParaRPr lang="en-US" sz="1500" dirty="0"/>
           </a:p>
           <a:p>
             <a:pPr>
@@ -4166,35 +3989,23 @@
               </a:spcAft>
             </a:pPr>
             <a:r>
-              <a:rPr lang="en-US" sz="1500" dirty="0" smtClean="0"/>
-              <a:t>F&lt;A:  </a:t>
-            </a:r>
-            <a:r>
               <a:rPr lang="en-US" sz="1500" dirty="0"/>
-              <a:t>(</a:t>
-            </a:r>
-            <a:r>
-              <a:rPr lang="en-US" sz="1500" dirty="0" smtClean="0"/>
-              <a:t>F)</a:t>
-            </a:r>
-            <a:r>
-              <a:rPr lang="en-US" sz="1500" dirty="0" err="1" smtClean="0"/>
+              <a:t>F&lt;A:  (F)</a:t>
+            </a:r>
+            <a:r>
+              <a:rPr lang="en-US" sz="1500" dirty="0" err="1"/>
               <a:t>ull</a:t>
             </a:r>
             <a:r>
-              <a:rPr lang="en-US" sz="1500" dirty="0" smtClean="0"/>
+              <a:rPr lang="en-US" sz="1500" dirty="0"/>
               <a:t>&lt;(A)</a:t>
             </a:r>
             <a:r>
-              <a:rPr lang="en-US" sz="1500" dirty="0" err="1" smtClean="0"/>
-              <a:t>ssistan</a:t>
-            </a:r>
-            <a:r>
               <a:rPr lang="en-US" sz="1500" dirty="0" err="1"/>
-              <a:t>t</a:t>
-            </a:r>
-            <a:r>
-              <a:rPr lang="en-US" sz="1500" dirty="0" smtClean="0"/>
+              <a:t>ssistant</a:t>
+            </a:r>
+            <a:r>
+              <a:rPr lang="en-US" sz="1500" dirty="0"/>
               <a:t> </a:t>
             </a:r>
           </a:p>
@@ -4208,35 +4019,27 @@
               </a:spcAft>
             </a:pPr>
             <a:r>
-              <a:rPr lang="en-US" sz="1500" dirty="0" smtClean="0"/>
-              <a:t>F&lt;C</a:t>
-            </a:r>
-            <a:r>
               <a:rPr lang="en-US" sz="1500" dirty="0"/>
-              <a:t>: (</a:t>
-            </a:r>
-            <a:r>
-              <a:rPr lang="en-US" sz="1500" dirty="0" smtClean="0"/>
-              <a:t>F)</a:t>
-            </a:r>
-            <a:r>
-              <a:rPr lang="en-US" sz="1500" dirty="0" err="1" smtClean="0"/>
+              <a:t>F&lt;C: (F)</a:t>
+            </a:r>
+            <a:r>
+              <a:rPr lang="en-US" sz="1500" dirty="0" err="1"/>
               <a:t>ull</a:t>
             </a:r>
             <a:r>
-              <a:rPr lang="en-US" sz="1500" dirty="0" smtClean="0"/>
+              <a:rPr lang="en-US" sz="1500" dirty="0"/>
               <a:t>&lt;</a:t>
             </a:r>
             <a:r>
-              <a:rPr lang="en-US" sz="1500" dirty="0" err="1" smtClean="0"/>
+              <a:rPr lang="en-US" sz="1500" dirty="0" err="1"/>
               <a:t>Asso</a:t>
             </a:r>
             <a:r>
-              <a:rPr lang="en-US" sz="1500" dirty="0" smtClean="0"/>
+              <a:rPr lang="en-US" sz="1500" dirty="0"/>
               <a:t>(C)</a:t>
             </a:r>
             <a:r>
-              <a:rPr lang="en-US" sz="1500" dirty="0" err="1" smtClean="0"/>
+              <a:rPr lang="en-US" sz="1500" dirty="0" err="1"/>
               <a:t>iate</a:t>
             </a:r>
             <a:endParaRPr lang="en-US" sz="1500" dirty="0"/>
@@ -4266,10 +4069,9 @@
           <a:lstStyle/>
           <a:p>
             <a:r>
-              <a:rPr lang="en-US" sz="1200" dirty="0" smtClean="0"/>
+              <a:rPr lang="en-US" sz="1200" dirty="0"/>
               <a:t>*Note:  In the case where a faculty member is inverted by more than one higher rank, the inversion with the largest gap in rank is indicated. </a:t>
             </a:r>
-            <a:endParaRPr lang="en-US" sz="1200" dirty="0"/>
           </a:p>
         </p:txBody>
       </p:sp>
@@ -4295,7 +4097,7 @@
           <a:graphicData uri="http://schemas.openxmlformats.org/presentationml/2006/ole">
             <mc:AlternateContent xmlns:mc="http://schemas.openxmlformats.org/markup-compatibility/2006">
               <mc:Choice xmlns:v="urn:schemas-microsoft-com:vml" Requires="v">
-                <p:oleObj spid="_x0000_s2055" name="Worksheet" r:id="rId3" imgW="4809965" imgH="5343490" progId="Excel.Sheet.12">
+                <p:oleObj spid="_x0000_s2050" name="Worksheet" r:id="rId3" imgW="4809965" imgH="5343490" progId="Excel.Sheet.12">
                   <p:embed/>
                 </p:oleObj>
               </mc:Choice>
@@ -4304,7 +4106,7 @@
                   <p:embed/>
                   <p:pic>
                     <p:nvPicPr>
-                      <p:cNvPr id="0" name=""/>
+                      <p:cNvPr id="6" name="Object 5"/>
                       <p:cNvPicPr/>
                       <p:nvPr/>
                     </p:nvPicPr>
@@ -4340,13 +4142,6 @@
   <p:clrMapOvr>
     <a:masterClrMapping/>
   </p:clrMapOvr>
-  <p:timing>
-    <p:tnLst>
-      <p:par>
-        <p:cTn id="1" dur="indefinite" restart="never" nodeType="tmRoot"/>
-      </p:par>
-    </p:tnLst>
-  </p:timing>
 </p:sld>
 </file>
 
@@ -4426,7 +4221,7 @@
           <a:graphicData uri="http://schemas.openxmlformats.org/presentationml/2006/ole">
             <mc:AlternateContent xmlns:mc="http://schemas.openxmlformats.org/markup-compatibility/2006">
               <mc:Choice xmlns:v="urn:schemas-microsoft-com:vml" Requires="v">
-                <p:oleObj spid="_x0000_s4102" name="Worksheet" r:id="rId3" imgW="6829341" imgH="5343490" progId="Excel.Sheet.12">
+                <p:oleObj spid="_x0000_s3074" name="Worksheet" r:id="rId3" imgW="6829341" imgH="5343490" progId="Excel.Sheet.12">
                   <p:embed/>
                 </p:oleObj>
               </mc:Choice>
@@ -4435,7 +4230,7 @@
                   <p:embed/>
                   <p:pic>
                     <p:nvPicPr>
-                      <p:cNvPr id="0" name=""/>
+                      <p:cNvPr id="5" name="Object 4"/>
                       <p:cNvPicPr/>
                       <p:nvPr/>
                     </p:nvPicPr>
@@ -4691,13 +4486,6 @@
   <p:clrMapOvr>
     <a:masterClrMapping/>
   </p:clrMapOvr>
-  <p:timing>
-    <p:tnLst>
-      <p:par>
-        <p:cTn id="1" dur="indefinite" restart="never" nodeType="tmRoot"/>
-      </p:par>
-    </p:tnLst>
-  </p:timing>
 </p:sld>
 </file>
 
